--- a/data/Music Recommender System.pptx
+++ b/data/Music Recommender System.pptx
@@ -5,7 +5,7 @@
     <p:sldMasterId id="2147483648" r:id="rId1"/>
   </p:sldMasterIdLst>
   <p:notesMasterIdLst>
-    <p:notesMasterId r:id="rId17"/>
+    <p:notesMasterId r:id="rId18"/>
   </p:notesMasterIdLst>
   <p:sldIdLst>
     <p:sldId id="256" r:id="rId2"/>
@@ -17,12 +17,13 @@
     <p:sldId id="268" r:id="rId8"/>
     <p:sldId id="261" r:id="rId9"/>
     <p:sldId id="262" r:id="rId10"/>
-    <p:sldId id="263" r:id="rId11"/>
-    <p:sldId id="264" r:id="rId12"/>
-    <p:sldId id="266" r:id="rId13"/>
-    <p:sldId id="269" r:id="rId14"/>
-    <p:sldId id="265" r:id="rId15"/>
-    <p:sldId id="270" r:id="rId16"/>
+    <p:sldId id="271" r:id="rId11"/>
+    <p:sldId id="263" r:id="rId12"/>
+    <p:sldId id="264" r:id="rId13"/>
+    <p:sldId id="266" r:id="rId14"/>
+    <p:sldId id="269" r:id="rId15"/>
+    <p:sldId id="265" r:id="rId16"/>
+    <p:sldId id="270" r:id="rId17"/>
   </p:sldIdLst>
   <p:sldSz cx="12192000" cy="6858000"/>
   <p:notesSz cx="6858000" cy="9144000"/>
@@ -477,6 +478,266 @@
     </a:lvl9pPr>
   </p:notesStyle>
 </p:notesMaster>
+</file>
+
+<file path=ppt/notesSlides/notesSlide1.xml><?xml version="1.0" encoding="utf-8"?>
+<p:notes xmlns:a="http://schemas.openxmlformats.org/drawingml/2006/main" xmlns:r="http://schemas.openxmlformats.org/officeDocument/2006/relationships" xmlns:p="http://schemas.openxmlformats.org/presentationml/2006/main">
+  <p:cSld>
+    <p:spTree>
+      <p:nvGrpSpPr>
+        <p:cNvPr id="1" name=""/>
+        <p:cNvGrpSpPr/>
+        <p:nvPr/>
+      </p:nvGrpSpPr>
+      <p:grpSpPr>
+        <a:xfrm>
+          <a:off x="0" y="0"/>
+          <a:ext cx="0" cy="0"/>
+          <a:chOff x="0" y="0"/>
+          <a:chExt cx="0" cy="0"/>
+        </a:xfrm>
+      </p:grpSpPr>
+      <p:sp>
+        <p:nvSpPr>
+          <p:cNvPr id="2" name="Slide Image Placeholder 1"/>
+          <p:cNvSpPr>
+            <a:spLocks noGrp="1" noRot="1" noChangeAspect="1"/>
+          </p:cNvSpPr>
+          <p:nvPr>
+            <p:ph type="sldImg"/>
+          </p:nvPr>
+        </p:nvSpPr>
+        <p:spPr/>
+      </p:sp>
+      <p:sp>
+        <p:nvSpPr>
+          <p:cNvPr id="3" name="Notes Placeholder 2"/>
+          <p:cNvSpPr>
+            <a:spLocks noGrp="1"/>
+          </p:cNvSpPr>
+          <p:nvPr>
+            <p:ph type="body" idx="1"/>
+          </p:nvPr>
+        </p:nvSpPr>
+        <p:spPr/>
+        <p:txBody>
+          <a:bodyPr/>
+          <a:lstStyle/>
+          <a:p>
+            <a:r>
+              <a:rPr lang="en-US" sz="1200" b="0" i="0" kern="1200" dirty="0" smtClean="0">
+                <a:solidFill>
+                  <a:schemeClr val="tx1"/>
+                </a:solidFill>
+                <a:effectLst/>
+                <a:latin typeface="+mn-lt"/>
+                <a:ea typeface="+mn-ea"/>
+                <a:cs typeface="+mn-cs"/>
+              </a:rPr>
+              <a:t>Word </a:t>
+            </a:r>
+            <a:r>
+              <a:rPr lang="en-US" sz="1200" b="0" i="0" kern="1200" dirty="0" err="1" smtClean="0">
+                <a:solidFill>
+                  <a:schemeClr val="tx1"/>
+                </a:solidFill>
+                <a:effectLst/>
+                <a:latin typeface="+mn-lt"/>
+                <a:ea typeface="+mn-ea"/>
+                <a:cs typeface="+mn-cs"/>
+              </a:rPr>
+              <a:t>embeddings</a:t>
+            </a:r>
+            <a:r>
+              <a:rPr lang="en-US" sz="1200" b="0" i="0" kern="1200" dirty="0" smtClean="0">
+                <a:solidFill>
+                  <a:schemeClr val="tx1"/>
+                </a:solidFill>
+                <a:effectLst/>
+                <a:latin typeface="+mn-lt"/>
+                <a:ea typeface="+mn-ea"/>
+                <a:cs typeface="+mn-cs"/>
+              </a:rPr>
+              <a:t> are just a particularly striking example of learning a representation.</a:t>
+            </a:r>
+          </a:p>
+          <a:p>
+            <a:endParaRPr lang="en-US" sz="1200" b="0" i="0" kern="1200" dirty="0" smtClean="0">
+              <a:solidFill>
+                <a:schemeClr val="tx1"/>
+              </a:solidFill>
+              <a:effectLst/>
+              <a:latin typeface="+mn-lt"/>
+              <a:ea typeface="+mn-ea"/>
+              <a:cs typeface="+mn-cs"/>
+            </a:endParaRPr>
+          </a:p>
+          <a:p>
+            <a:r>
+              <a:rPr lang="en-US" dirty="0" smtClean="0"/>
+              <a:t/>
+            </a:r>
+            <a:br>
+              <a:rPr lang="en-US" dirty="0" smtClean="0"/>
+            </a:br>
+            <a:endParaRPr lang="en-US" dirty="0"/>
+          </a:p>
+        </p:txBody>
+      </p:sp>
+      <p:sp>
+        <p:nvSpPr>
+          <p:cNvPr id="4" name="Slide Number Placeholder 3"/>
+          <p:cNvSpPr>
+            <a:spLocks noGrp="1"/>
+          </p:cNvSpPr>
+          <p:nvPr>
+            <p:ph type="sldNum" sz="quarter" idx="10"/>
+          </p:nvPr>
+        </p:nvSpPr>
+        <p:spPr/>
+        <p:txBody>
+          <a:bodyPr/>
+          <a:lstStyle/>
+          <a:p>
+            <a:fld id="{3E68D494-C918-834E-8A32-39753F3B248B}" type="slidenum">
+              <a:rPr lang="en-US" smtClean="0"/>
+              <a:t>8</a:t>
+            </a:fld>
+            <a:endParaRPr lang="en-US"/>
+          </a:p>
+        </p:txBody>
+      </p:sp>
+    </p:spTree>
+    <p:extLst>
+      <p:ext uri="{BB962C8B-B14F-4D97-AF65-F5344CB8AC3E}">
+        <p14:creationId xmlns:p14="http://schemas.microsoft.com/office/powerpoint/2010/main" val="1188911459"/>
+      </p:ext>
+    </p:extLst>
+  </p:cSld>
+  <p:clrMapOvr>
+    <a:masterClrMapping/>
+  </p:clrMapOvr>
+</p:notes>
+</file>
+
+<file path=ppt/notesSlides/notesSlide2.xml><?xml version="1.0" encoding="utf-8"?>
+<p:notes xmlns:a="http://schemas.openxmlformats.org/drawingml/2006/main" xmlns:r="http://schemas.openxmlformats.org/officeDocument/2006/relationships" xmlns:p="http://schemas.openxmlformats.org/presentationml/2006/main">
+  <p:cSld>
+    <p:spTree>
+      <p:nvGrpSpPr>
+        <p:cNvPr id="1" name=""/>
+        <p:cNvGrpSpPr/>
+        <p:nvPr/>
+      </p:nvGrpSpPr>
+      <p:grpSpPr>
+        <a:xfrm>
+          <a:off x="0" y="0"/>
+          <a:ext cx="0" cy="0"/>
+          <a:chOff x="0" y="0"/>
+          <a:chExt cx="0" cy="0"/>
+        </a:xfrm>
+      </p:grpSpPr>
+      <p:sp>
+        <p:nvSpPr>
+          <p:cNvPr id="2" name="Slide Image Placeholder 1"/>
+          <p:cNvSpPr>
+            <a:spLocks noGrp="1" noRot="1" noChangeAspect="1"/>
+          </p:cNvSpPr>
+          <p:nvPr>
+            <p:ph type="sldImg"/>
+          </p:nvPr>
+        </p:nvSpPr>
+        <p:spPr/>
+      </p:sp>
+      <p:sp>
+        <p:nvSpPr>
+          <p:cNvPr id="3" name="Notes Placeholder 2"/>
+          <p:cNvSpPr>
+            <a:spLocks noGrp="1"/>
+          </p:cNvSpPr>
+          <p:nvPr>
+            <p:ph type="body" idx="1"/>
+          </p:nvPr>
+        </p:nvSpPr>
+        <p:spPr/>
+        <p:txBody>
+          <a:bodyPr/>
+          <a:lstStyle/>
+          <a:p>
+            <a:r>
+              <a:rPr lang="en-US" dirty="0" smtClean="0"/>
+              <a:t>No negative feedback - just because she did not know about the show or was not available to watch it.</a:t>
+            </a:r>
+          </a:p>
+          <a:p>
+            <a:r>
+              <a:rPr lang="en-US" dirty="0" smtClean="0"/>
+              <a:t>Implicit feedback is inherently noisy</a:t>
+            </a:r>
+            <a:r>
+              <a:rPr lang="en-US" baseline="0" dirty="0" smtClean="0"/>
+              <a:t> - </a:t>
+            </a:r>
+            <a:r>
+              <a:rPr lang="en-US" dirty="0" smtClean="0"/>
+              <a:t>we may view purchase behavior for an individual, but this does not necessarily indicate a positive view of the product</a:t>
+            </a:r>
+          </a:p>
+          <a:p>
+            <a:r>
+              <a:rPr lang="en-US" dirty="0" smtClean="0"/>
+              <a:t>Implicit feedback </a:t>
+            </a:r>
+            <a:r>
+              <a:rPr lang="en-US" dirty="0" smtClean="0"/>
+              <a:t>we have to take into account availability of the item, competition for the item with other items, and repeat feedback</a:t>
+            </a:r>
+          </a:p>
+          <a:p>
+            <a:r>
+              <a:rPr lang="en-US" dirty="0" smtClean="0"/>
+              <a:t>. For example, if we gather data on television viewing, it is unclear how to evaluate a show that has been watched more than once, or how to compare two shows that are on at the same time, and hence cannot both be watched by the user.</a:t>
+            </a:r>
+          </a:p>
+          <a:p>
+            <a:endParaRPr lang="en-US" dirty="0"/>
+          </a:p>
+        </p:txBody>
+      </p:sp>
+      <p:sp>
+        <p:nvSpPr>
+          <p:cNvPr id="4" name="Slide Number Placeholder 3"/>
+          <p:cNvSpPr>
+            <a:spLocks noGrp="1"/>
+          </p:cNvSpPr>
+          <p:nvPr>
+            <p:ph type="sldNum" sz="quarter" idx="10"/>
+          </p:nvPr>
+        </p:nvSpPr>
+        <p:spPr/>
+        <p:txBody>
+          <a:bodyPr/>
+          <a:lstStyle/>
+          <a:p>
+            <a:fld id="{3E68D494-C918-834E-8A32-39753F3B248B}" type="slidenum">
+              <a:rPr lang="en-US" smtClean="0"/>
+              <a:t>11</a:t>
+            </a:fld>
+            <a:endParaRPr lang="en-US"/>
+          </a:p>
+        </p:txBody>
+      </p:sp>
+    </p:spTree>
+    <p:extLst>
+      <p:ext uri="{BB962C8B-B14F-4D97-AF65-F5344CB8AC3E}">
+        <p14:creationId xmlns:p14="http://schemas.microsoft.com/office/powerpoint/2010/main" val="857533451"/>
+      </p:ext>
+    </p:extLst>
+  </p:cSld>
+  <p:clrMapOvr>
+    <a:masterClrMapping/>
+  </p:clrMapOvr>
+</p:notes>
 </file>
 
 <file path=ppt/slideLayouts/slideLayout1.xml><?xml version="1.0" encoding="utf-8"?>
@@ -3992,15 +4253,7 @@
             </a:r>
             <a:r>
               <a:rPr lang="en-US" dirty="0" smtClean="0"/>
-              <a:t>					</a:t>
-            </a:r>
-            <a:r>
-              <a:rPr lang="en-US" dirty="0" err="1" smtClean="0"/>
-              <a:t>BY:Tanmay</a:t>
-            </a:r>
-            <a:r>
-              <a:rPr lang="en-US" dirty="0" smtClean="0"/>
-              <a:t> Mathur</a:t>
+              <a:t>					BY: Tanmay Mathur</a:t>
             </a:r>
             <a:endParaRPr lang="en-US" dirty="0"/>
           </a:p>
@@ -4053,99 +4306,63 @@
             <p:ph type="title"/>
           </p:nvPr>
         </p:nvSpPr>
-        <p:spPr/>
-        <p:txBody>
-          <a:bodyPr/>
-          <a:lstStyle/>
-          <a:p>
-            <a:r>
-              <a:rPr lang="en-US" dirty="0" smtClean="0"/>
-              <a:t>COLLABORATIVE FILTERING USING ALS Implicit</a:t>
-            </a:r>
-            <a:endParaRPr lang="en-US" dirty="0"/>
-          </a:p>
-        </p:txBody>
-      </p:sp>
-      <p:sp>
-        <p:nvSpPr>
-          <p:cNvPr id="3" name="Content Placeholder 2"/>
-          <p:cNvSpPr>
-            <a:spLocks noGrp="1"/>
-          </p:cNvSpPr>
+        <p:spPr>
+          <a:xfrm>
+            <a:off x="1104338" y="260509"/>
+            <a:ext cx="9603275" cy="1049235"/>
+          </a:xfrm>
+        </p:spPr>
+        <p:txBody>
+          <a:bodyPr/>
+          <a:lstStyle/>
+          <a:p>
+            <a:r>
+              <a:rPr lang="en-US" dirty="0" smtClean="0"/>
+              <a:t>Word2vec visualization</a:t>
+            </a:r>
+            <a:endParaRPr lang="en-US" dirty="0"/>
+          </a:p>
+        </p:txBody>
+      </p:sp>
+      <p:pic>
+        <p:nvPicPr>
+          <p:cNvPr id="4" name="Content Placeholder 3"/>
+          <p:cNvPicPr>
+            <a:picLocks noGrp="1" noChangeAspect="1"/>
+          </p:cNvPicPr>
           <p:nvPr>
             <p:ph idx="1"/>
           </p:nvPr>
-        </p:nvSpPr>
-        <p:spPr/>
-        <p:txBody>
-          <a:bodyPr/>
-          <a:lstStyle/>
-          <a:p>
-            <a:r>
-              <a:rPr lang="en-US" dirty="0" smtClean="0"/>
-              <a:t>Commonly used for building recommender systems</a:t>
-            </a:r>
-          </a:p>
-          <a:p>
-            <a:r>
-              <a:rPr lang="en-US" dirty="0" smtClean="0"/>
-              <a:t>Needs </a:t>
-            </a:r>
-            <a:r>
-              <a:rPr lang="en-US" dirty="0" err="1" smtClean="0"/>
-              <a:t>userId</a:t>
-            </a:r>
-            <a:r>
-              <a:rPr lang="en-US" dirty="0" smtClean="0"/>
-              <a:t>, </a:t>
-            </a:r>
-            <a:r>
-              <a:rPr lang="en-US" dirty="0" err="1" smtClean="0"/>
-              <a:t>productId</a:t>
-            </a:r>
-            <a:r>
-              <a:rPr lang="en-US" dirty="0" smtClean="0"/>
-              <a:t> and ratings as input to standard matrix factorization approach based collaborative filtering</a:t>
-            </a:r>
-          </a:p>
-          <a:p>
-            <a:r>
-              <a:rPr lang="en-US" dirty="0" smtClean="0"/>
-              <a:t>Real-world use cases have only implicit feedbacks(clicks, likes, shares, retweets etc.)</a:t>
-            </a:r>
-          </a:p>
-          <a:p>
-            <a:r>
-              <a:rPr lang="en-US" dirty="0" smtClean="0"/>
-              <a:t>ALS Implicit treats the implicit feedbacks as strength of observation</a:t>
-            </a:r>
-          </a:p>
-          <a:p>
-            <a:r>
-              <a:rPr lang="en-US" dirty="0" smtClean="0"/>
-              <a:t>The model finds latent features that is used to predict the expected preference of a user for an item</a:t>
-            </a:r>
-            <a:endParaRPr lang="en-US" dirty="0"/>
-          </a:p>
-        </p:txBody>
-      </p:sp>
+        </p:nvPicPr>
+        <p:blipFill>
+          <a:blip r:embed="rId2">
+            <a:extLst>
+              <a:ext uri="{28A0092B-C50C-407E-A947-70E740481C1C}">
+                <a14:useLocalDpi xmlns:a14="http://schemas.microsoft.com/office/drawing/2010/main" val="0"/>
+              </a:ext>
+            </a:extLst>
+          </a:blip>
+          <a:stretch>
+            <a:fillRect/>
+          </a:stretch>
+        </p:blipFill>
+        <p:spPr>
+          <a:xfrm>
+            <a:off x="814971" y="951252"/>
+            <a:ext cx="7599824" cy="5156383"/>
+          </a:xfrm>
+        </p:spPr>
+      </p:pic>
     </p:spTree>
     <p:extLst>
       <p:ext uri="{BB962C8B-B14F-4D97-AF65-F5344CB8AC3E}">
-        <p14:creationId xmlns:p14="http://schemas.microsoft.com/office/powerpoint/2010/main" val="771820170"/>
+        <p14:creationId xmlns:p14="http://schemas.microsoft.com/office/powerpoint/2010/main" val="1053548943"/>
       </p:ext>
     </p:extLst>
   </p:cSld>
   <p:clrMapOvr>
     <a:masterClrMapping/>
   </p:clrMapOvr>
-  <p:timing>
-    <p:tnLst>
-      <p:par>
-        <p:cTn id="1" dur="indefinite" restart="never" nodeType="tmRoot"/>
-      </p:par>
-    </p:tnLst>
-  </p:timing>
 </p:sld>
 </file>
 
@@ -4183,7 +4400,7 @@
           <a:p>
             <a:r>
               <a:rPr lang="en-US" dirty="0" smtClean="0"/>
-              <a:t>FINAL ALGORITHM</a:t>
+              <a:t>COLLABORATIVE FILTERING USING ALS Implicit</a:t>
             </a:r>
             <a:endParaRPr lang="en-US" dirty="0"/>
           </a:p>
@@ -4206,33 +4423,56 @@
           <a:p>
             <a:r>
               <a:rPr lang="en-US" dirty="0" smtClean="0"/>
-              <a:t>Find candidates using collaborative filtering for a user</a:t>
-            </a:r>
-          </a:p>
-          <a:p>
-            <a:r>
-              <a:rPr lang="en-US" dirty="0" smtClean="0"/>
-              <a:t>Use the returned candidate list to look for most similar items using the word2vec model</a:t>
-            </a:r>
-          </a:p>
-          <a:p>
-            <a:r>
-              <a:rPr lang="en-US" dirty="0" smtClean="0"/>
-              <a:t>Return N candidates to the user, where N = [M,K]</a:t>
-            </a:r>
-          </a:p>
-          <a:p>
-            <a:r>
-              <a:rPr lang="en-US" dirty="0" smtClean="0"/>
-              <a:t>Different arrangements could be evaluated against user feedback in a live system</a:t>
-            </a:r>
+              <a:t>Commonly used for building recommender systems</a:t>
+            </a:r>
+          </a:p>
+          <a:p>
+            <a:r>
+              <a:rPr lang="en-US" dirty="0" smtClean="0"/>
+              <a:t>Needs </a:t>
+            </a:r>
+            <a:r>
+              <a:rPr lang="en-US" dirty="0" err="1" smtClean="0"/>
+              <a:t>userId</a:t>
+            </a:r>
+            <a:r>
+              <a:rPr lang="en-US" dirty="0" smtClean="0"/>
+              <a:t>, </a:t>
+            </a:r>
+            <a:r>
+              <a:rPr lang="en-US" dirty="0" err="1" smtClean="0"/>
+              <a:t>productId</a:t>
+            </a:r>
+            <a:r>
+              <a:rPr lang="en-US" dirty="0" smtClean="0"/>
+              <a:t> and ratings as input to standard matrix factorization approach based collaborative filtering</a:t>
+            </a:r>
+          </a:p>
+          <a:p>
+            <a:r>
+              <a:rPr lang="en-US" dirty="0" smtClean="0"/>
+              <a:t>Real-world use cases have only implicit feedbacks(clicks, likes, shares, retweets etc.)</a:t>
+            </a:r>
+          </a:p>
+          <a:p>
+            <a:r>
+              <a:rPr lang="en-US" dirty="0" smtClean="0"/>
+              <a:t>ALS Implicit treats the implicit feedbacks as strength of observation</a:t>
+            </a:r>
+          </a:p>
+          <a:p>
+            <a:r>
+              <a:rPr lang="en-US" dirty="0" smtClean="0"/>
+              <a:t>The model finds latent features that is used to predict the expected preference of a user for an item</a:t>
+            </a:r>
+            <a:endParaRPr lang="en-US" dirty="0"/>
           </a:p>
         </p:txBody>
       </p:sp>
     </p:spTree>
     <p:extLst>
       <p:ext uri="{BB962C8B-B14F-4D97-AF65-F5344CB8AC3E}">
-        <p14:creationId xmlns:p14="http://schemas.microsoft.com/office/powerpoint/2010/main" val="2110506223"/>
+        <p14:creationId xmlns:p14="http://schemas.microsoft.com/office/powerpoint/2010/main" val="771820170"/>
       </p:ext>
     </p:extLst>
   </p:cSld>
@@ -4283,7 +4523,7 @@
           <a:p>
             <a:r>
               <a:rPr lang="en-US" dirty="0" smtClean="0"/>
-              <a:t>Results</a:t>
+              <a:t>FINAL ALGORITHM</a:t>
             </a:r>
             <a:endParaRPr lang="en-US" dirty="0"/>
           </a:p>
@@ -4305,35 +4545,34 @@
           <a:lstStyle/>
           <a:p>
             <a:r>
-              <a:rPr lang="en-US" dirty="0"/>
-              <a:t>The best model was trained with rank = 12 and lambda = 0.1, and </a:t>
-            </a:r>
-            <a:r>
-              <a:rPr lang="en-US" dirty="0" err="1"/>
-              <a:t>numIter</a:t>
-            </a:r>
-            <a:r>
-              <a:rPr lang="en-US" dirty="0"/>
-              <a:t> = 10, and its RMSE on the test set is 10.764309205205556</a:t>
-            </a:r>
-            <a:r>
-              <a:rPr lang="en-US" dirty="0" smtClean="0"/>
-              <a:t>.</a:t>
-            </a:r>
-          </a:p>
-          <a:p>
-            <a:r>
-              <a:rPr lang="en-US" dirty="0"/>
-              <a:t>The test mean squared error is = 10.764309205205556</a:t>
-            </a:r>
-            <a:endParaRPr lang="en-US" dirty="0"/>
+              <a:rPr lang="en-US" dirty="0" smtClean="0"/>
+              <a:t>Find candidates using collaborative filtering for a user</a:t>
+            </a:r>
+          </a:p>
+          <a:p>
+            <a:r>
+              <a:rPr lang="en-US" dirty="0" smtClean="0"/>
+              <a:t>Use the returned candidate list to look for most similar items using the word2vec model</a:t>
+            </a:r>
+          </a:p>
+          <a:p>
+            <a:r>
+              <a:rPr lang="en-US" dirty="0" smtClean="0"/>
+              <a:t>Return N candidates to the user, where N = [M,K]</a:t>
+            </a:r>
+          </a:p>
+          <a:p>
+            <a:r>
+              <a:rPr lang="en-US" dirty="0" smtClean="0"/>
+              <a:t>Different arrangements could be evaluated against user feedback in a live system</a:t>
+            </a:r>
           </a:p>
         </p:txBody>
       </p:sp>
     </p:spTree>
     <p:extLst>
       <p:ext uri="{BB962C8B-B14F-4D97-AF65-F5344CB8AC3E}">
-        <p14:creationId xmlns:p14="http://schemas.microsoft.com/office/powerpoint/2010/main" val="33350936"/>
+        <p14:creationId xmlns:p14="http://schemas.microsoft.com/office/powerpoint/2010/main" val="2110506223"/>
       </p:ext>
     </p:extLst>
   </p:cSld>
@@ -4384,7 +4623,7 @@
           <a:p>
             <a:r>
               <a:rPr lang="en-US" dirty="0" smtClean="0"/>
-              <a:t>ALGORITHM OUTPUT</a:t>
+              <a:t>Results</a:t>
             </a:r>
             <a:endParaRPr lang="en-US" dirty="0"/>
           </a:p>
@@ -4402,163 +4641,31 @@
         </p:nvSpPr>
         <p:spPr/>
         <p:txBody>
-          <a:bodyPr>
-            <a:normAutofit fontScale="40000" lnSpcReduction="20000"/>
-          </a:bodyPr>
+          <a:bodyPr/>
           <a:lstStyle/>
           <a:p>
             <a:r>
               <a:rPr lang="en-US" dirty="0"/>
-              <a:t>Songs recommended for you:</a:t>
-            </a:r>
-          </a:p>
-          <a:p>
+              <a:t>The best model was trained with rank = 12 and lambda = 0.1, and </a:t>
+            </a:r>
+            <a:r>
+              <a:rPr lang="en-US" dirty="0" err="1"/>
+              <a:t>numIter</a:t>
+            </a:r>
             <a:r>
               <a:rPr lang="en-US" dirty="0"/>
-              <a:t>1: Neighborhood #3 (Power Out)</a:t>
+              <a:t> = 10, and its RMSE on the test set is 10.764309205205556</a:t>
+            </a:r>
+            <a:r>
+              <a:rPr lang="en-US" dirty="0" smtClean="0"/>
+              <a:t>.</a:t>
             </a:r>
           </a:p>
           <a:p>
             <a:r>
               <a:rPr lang="en-US" dirty="0"/>
-              <a:t>2: Rebellion (Lies)</a:t>
-            </a:r>
-          </a:p>
-          <a:p>
-            <a:r>
-              <a:rPr lang="en-US" dirty="0"/>
-              <a:t>3: Keep The Car Running</a:t>
-            </a:r>
-          </a:p>
-          <a:p>
-            <a:r>
-              <a:rPr lang="en-US" dirty="0"/>
-              <a:t>4: Untitled</a:t>
-            </a:r>
-          </a:p>
-          <a:p>
-            <a:r>
-              <a:rPr lang="en-US" dirty="0"/>
-              <a:t>5: Such Great Heights</a:t>
-            </a:r>
-          </a:p>
-          <a:p>
-            <a:r>
-              <a:rPr lang="en-US" dirty="0"/>
-              <a:t>6: Neighborhood #1 (Tunnels)</a:t>
-            </a:r>
-          </a:p>
-          <a:p>
-            <a:r>
-              <a:rPr lang="en-US" dirty="0"/>
-              <a:t>7: Karma Police</a:t>
-            </a:r>
-          </a:p>
-          <a:p>
-            <a:r>
-              <a:rPr lang="en-US" dirty="0"/>
-              <a:t>8: Heartbeats</a:t>
-            </a:r>
-          </a:p>
-          <a:p>
-            <a:r>
-              <a:rPr lang="en-US" dirty="0"/>
-              <a:t>9: Neighborhood #2 (</a:t>
-            </a:r>
-            <a:r>
-              <a:rPr lang="en-US" dirty="0" err="1"/>
-              <a:t>Laika</a:t>
-            </a:r>
-            <a:r>
-              <a:rPr lang="en-US" dirty="0"/>
-              <a:t>)</a:t>
-            </a:r>
-          </a:p>
-          <a:p>
-            <a:r>
-              <a:rPr lang="en-US" dirty="0"/>
-              <a:t>10: </a:t>
-            </a:r>
-            <a:r>
-              <a:rPr lang="en-US" dirty="0" err="1"/>
-              <a:t>Une</a:t>
-            </a:r>
-            <a:r>
-              <a:rPr lang="en-US" dirty="0"/>
-              <a:t> </a:t>
-            </a:r>
-            <a:r>
-              <a:rPr lang="en-US" dirty="0" err="1"/>
-              <a:t>Année</a:t>
-            </a:r>
-            <a:r>
-              <a:rPr lang="en-US" dirty="0"/>
-              <a:t> Sans </a:t>
-            </a:r>
-            <a:r>
-              <a:rPr lang="en-US" dirty="0" smtClean="0"/>
-              <a:t>Lumière</a:t>
-            </a:r>
-          </a:p>
-          <a:p>
-            <a:r>
-              <a:rPr lang="en-US" dirty="0" smtClean="0"/>
-              <a:t>11: Neighborhood </a:t>
-            </a:r>
-            <a:r>
-              <a:rPr lang="en-US" dirty="0"/>
-              <a:t>#2 (</a:t>
-            </a:r>
-            <a:r>
-              <a:rPr lang="en-US" dirty="0" err="1"/>
-              <a:t>Laika</a:t>
-            </a:r>
-            <a:r>
-              <a:rPr lang="en-US" dirty="0" smtClean="0"/>
-              <a:t>)</a:t>
-            </a:r>
-          </a:p>
-          <a:p>
-            <a:r>
-              <a:rPr lang="en-US" dirty="0" smtClean="0"/>
-              <a:t>12 : Crown </a:t>
-            </a:r>
-            <a:r>
-              <a:rPr lang="en-US" dirty="0"/>
-              <a:t>Of </a:t>
-            </a:r>
-            <a:r>
-              <a:rPr lang="en-US" dirty="0" smtClean="0"/>
-              <a:t>Love</a:t>
-            </a:r>
-          </a:p>
-          <a:p>
-            <a:r>
-              <a:rPr lang="en-US" dirty="0" smtClean="0"/>
-              <a:t>13: </a:t>
-            </a:r>
-            <a:r>
-              <a:rPr lang="en-US" dirty="0" err="1"/>
-              <a:t>Une</a:t>
-            </a:r>
-            <a:r>
-              <a:rPr lang="en-US" dirty="0"/>
-              <a:t> </a:t>
-            </a:r>
-            <a:r>
-              <a:rPr lang="en-US" dirty="0" err="1"/>
-              <a:t>Année</a:t>
-            </a:r>
-            <a:r>
-              <a:rPr lang="en-US" dirty="0"/>
-              <a:t> Sans Lumière</a:t>
-            </a:r>
-            <a:endParaRPr lang="en-US" dirty="0" smtClean="0"/>
-          </a:p>
-          <a:p>
-            <a:endParaRPr lang="en-US" dirty="0" smtClean="0"/>
-          </a:p>
-          <a:p>
+              <a:t>The test mean squared error is = 10.764309205205556</a:t>
+            </a:r>
             <a:endParaRPr lang="en-US" dirty="0"/>
           </a:p>
         </p:txBody>
@@ -4566,7 +4673,7 @@
     </p:spTree>
     <p:extLst>
       <p:ext uri="{BB962C8B-B14F-4D97-AF65-F5344CB8AC3E}">
-        <p14:creationId xmlns:p14="http://schemas.microsoft.com/office/powerpoint/2010/main" val="1963220017"/>
+        <p14:creationId xmlns:p14="http://schemas.microsoft.com/office/powerpoint/2010/main" val="33350936"/>
       </p:ext>
     </p:extLst>
   </p:cSld>
@@ -4616,12 +4723,8 @@
           <a:lstStyle/>
           <a:p>
             <a:r>
-              <a:rPr lang="en-US" dirty="0" err="1" smtClean="0"/>
-              <a:t>FUTure</a:t>
-            </a:r>
-            <a:r>
-              <a:rPr lang="en-US" dirty="0" smtClean="0"/>
-              <a:t> work</a:t>
+              <a:rPr lang="en-US" dirty="0" smtClean="0"/>
+              <a:t>ALGORITHM OUTPUT</a:t>
             </a:r>
             <a:endParaRPr lang="en-US" dirty="0"/>
           </a:p>
@@ -4639,26 +4742,171 @@
         </p:nvSpPr>
         <p:spPr/>
         <p:txBody>
-          <a:bodyPr/>
-          <a:lstStyle/>
-          <a:p>
-            <a:r>
-              <a:rPr lang="en-US" dirty="0" smtClean="0"/>
-              <a:t>Change the window size and tune the model</a:t>
-            </a:r>
-          </a:p>
-          <a:p>
-            <a:r>
-              <a:rPr lang="en-US" dirty="0" smtClean="0"/>
-              <a:t>Take season, and times(Mornings, Afternoon, Evenings, Night) in to consideration. </a:t>
-            </a:r>
+          <a:bodyPr>
+            <a:normAutofit fontScale="40000" lnSpcReduction="20000"/>
+          </a:bodyPr>
+          <a:lstStyle/>
+          <a:p>
+            <a:r>
+              <a:rPr lang="en-US" dirty="0"/>
+              <a:t>Songs recommended for you:</a:t>
+            </a:r>
+          </a:p>
+          <a:p>
+            <a:r>
+              <a:rPr lang="en-US" dirty="0"/>
+              <a:t>1: Neighborhood #3 (Power Out)</a:t>
+            </a:r>
+          </a:p>
+          <a:p>
+            <a:r>
+              <a:rPr lang="en-US" dirty="0"/>
+              <a:t>2: Rebellion (Lies)</a:t>
+            </a:r>
+          </a:p>
+          <a:p>
+            <a:r>
+              <a:rPr lang="en-US" dirty="0"/>
+              <a:t>3: Keep The Car Running</a:t>
+            </a:r>
+          </a:p>
+          <a:p>
+            <a:r>
+              <a:rPr lang="en-US" dirty="0"/>
+              <a:t>4: Untitled</a:t>
+            </a:r>
+          </a:p>
+          <a:p>
+            <a:r>
+              <a:rPr lang="en-US" dirty="0"/>
+              <a:t>5: Such Great Heights</a:t>
+            </a:r>
+          </a:p>
+          <a:p>
+            <a:r>
+              <a:rPr lang="en-US" dirty="0"/>
+              <a:t>6: Neighborhood #1 (Tunnels)</a:t>
+            </a:r>
+          </a:p>
+          <a:p>
+            <a:r>
+              <a:rPr lang="en-US" dirty="0"/>
+              <a:t>7: Karma Police</a:t>
+            </a:r>
+          </a:p>
+          <a:p>
+            <a:r>
+              <a:rPr lang="en-US" dirty="0"/>
+              <a:t>8: Heartbeats</a:t>
+            </a:r>
+          </a:p>
+          <a:p>
+            <a:r>
+              <a:rPr lang="en-US" dirty="0"/>
+              <a:t>9: Neighborhood #2 (</a:t>
+            </a:r>
+            <a:r>
+              <a:rPr lang="en-US" dirty="0" err="1"/>
+              <a:t>Laika</a:t>
+            </a:r>
+            <a:r>
+              <a:rPr lang="en-US" dirty="0"/>
+              <a:t>)</a:t>
+            </a:r>
+          </a:p>
+          <a:p>
+            <a:r>
+              <a:rPr lang="en-US" dirty="0"/>
+              <a:t>10: </a:t>
+            </a:r>
+            <a:r>
+              <a:rPr lang="en-US" dirty="0" err="1"/>
+              <a:t>Une</a:t>
+            </a:r>
+            <a:r>
+              <a:rPr lang="en-US" dirty="0"/>
+              <a:t> </a:t>
+            </a:r>
+            <a:r>
+              <a:rPr lang="en-US" dirty="0" err="1"/>
+              <a:t>Année</a:t>
+            </a:r>
+            <a:r>
+              <a:rPr lang="en-US" dirty="0"/>
+              <a:t> Sans </a:t>
+            </a:r>
+            <a:r>
+              <a:rPr lang="en-US" dirty="0" smtClean="0"/>
+              <a:t>Lumière</a:t>
+            </a:r>
+          </a:p>
+          <a:p>
+            <a:r>
+              <a:rPr lang="en-US" dirty="0" smtClean="0"/>
+              <a:t>11: Neighborhood </a:t>
+            </a:r>
+            <a:r>
+              <a:rPr lang="en-US" dirty="0"/>
+              <a:t>#2 (</a:t>
+            </a:r>
+            <a:r>
+              <a:rPr lang="en-US" dirty="0" err="1"/>
+              <a:t>Laika</a:t>
+            </a:r>
+            <a:r>
+              <a:rPr lang="en-US" dirty="0" smtClean="0"/>
+              <a:t>)</a:t>
+            </a:r>
+          </a:p>
+          <a:p>
+            <a:r>
+              <a:rPr lang="en-US" dirty="0" smtClean="0"/>
+              <a:t>12 : Crown </a:t>
+            </a:r>
+            <a:r>
+              <a:rPr lang="en-US" dirty="0"/>
+              <a:t>Of </a:t>
+            </a:r>
+            <a:r>
+              <a:rPr lang="en-US" dirty="0" smtClean="0"/>
+              <a:t>Love</a:t>
+            </a:r>
+          </a:p>
+          <a:p>
+            <a:r>
+              <a:rPr lang="en-US" dirty="0" smtClean="0"/>
+              <a:t>13: </a:t>
+            </a:r>
+            <a:r>
+              <a:rPr lang="en-US" dirty="0" err="1"/>
+              <a:t>Une</a:t>
+            </a:r>
+            <a:r>
+              <a:rPr lang="en-US" dirty="0"/>
+              <a:t> </a:t>
+            </a:r>
+            <a:r>
+              <a:rPr lang="en-US" dirty="0" err="1"/>
+              <a:t>Année</a:t>
+            </a:r>
+            <a:r>
+              <a:rPr lang="en-US" dirty="0"/>
+              <a:t> Sans Lumière</a:t>
+            </a:r>
+            <a:endParaRPr lang="en-US" dirty="0" smtClean="0"/>
+          </a:p>
+          <a:p>
+            <a:endParaRPr lang="en-US" dirty="0" smtClean="0"/>
+          </a:p>
+          <a:p>
+            <a:endParaRPr lang="en-US" dirty="0"/>
           </a:p>
         </p:txBody>
       </p:sp>
     </p:spTree>
     <p:extLst>
       <p:ext uri="{BB962C8B-B14F-4D97-AF65-F5344CB8AC3E}">
-        <p14:creationId xmlns:p14="http://schemas.microsoft.com/office/powerpoint/2010/main" val="171724227"/>
+        <p14:creationId xmlns:p14="http://schemas.microsoft.com/office/powerpoint/2010/main" val="1963220017"/>
       </p:ext>
     </p:extLst>
   </p:cSld>
@@ -4708,6 +4956,98 @@
           <a:lstStyle/>
           <a:p>
             <a:r>
+              <a:rPr lang="en-US" dirty="0" err="1" smtClean="0"/>
+              <a:t>FUTure</a:t>
+            </a:r>
+            <a:r>
+              <a:rPr lang="en-US" dirty="0" smtClean="0"/>
+              <a:t> work</a:t>
+            </a:r>
+            <a:endParaRPr lang="en-US" dirty="0"/>
+          </a:p>
+        </p:txBody>
+      </p:sp>
+      <p:sp>
+        <p:nvSpPr>
+          <p:cNvPr id="3" name="Content Placeholder 2"/>
+          <p:cNvSpPr>
+            <a:spLocks noGrp="1"/>
+          </p:cNvSpPr>
+          <p:nvPr>
+            <p:ph idx="1"/>
+          </p:nvPr>
+        </p:nvSpPr>
+        <p:spPr/>
+        <p:txBody>
+          <a:bodyPr/>
+          <a:lstStyle/>
+          <a:p>
+            <a:r>
+              <a:rPr lang="en-US" dirty="0" smtClean="0"/>
+              <a:t>Change the window size and tune the model</a:t>
+            </a:r>
+          </a:p>
+          <a:p>
+            <a:r>
+              <a:rPr lang="en-US" dirty="0" smtClean="0"/>
+              <a:t>Take season, and times(Mornings, Afternoon, Evenings, Night) in to consideration. </a:t>
+            </a:r>
+          </a:p>
+        </p:txBody>
+      </p:sp>
+    </p:spTree>
+    <p:extLst>
+      <p:ext uri="{BB962C8B-B14F-4D97-AF65-F5344CB8AC3E}">
+        <p14:creationId xmlns:p14="http://schemas.microsoft.com/office/powerpoint/2010/main" val="171724227"/>
+      </p:ext>
+    </p:extLst>
+  </p:cSld>
+  <p:clrMapOvr>
+    <a:masterClrMapping/>
+  </p:clrMapOvr>
+  <p:timing>
+    <p:tnLst>
+      <p:par>
+        <p:cTn id="1" dur="indefinite" restart="never" nodeType="tmRoot"/>
+      </p:par>
+    </p:tnLst>
+  </p:timing>
+</p:sld>
+</file>
+
+<file path=ppt/slides/slide16.xml><?xml version="1.0" encoding="utf-8"?>
+<p:sld xmlns:a="http://schemas.openxmlformats.org/drawingml/2006/main" xmlns:r="http://schemas.openxmlformats.org/officeDocument/2006/relationships" xmlns:p="http://schemas.openxmlformats.org/presentationml/2006/main">
+  <p:cSld>
+    <p:spTree>
+      <p:nvGrpSpPr>
+        <p:cNvPr id="1" name=""/>
+        <p:cNvGrpSpPr/>
+        <p:nvPr/>
+      </p:nvGrpSpPr>
+      <p:grpSpPr>
+        <a:xfrm>
+          <a:off x="0" y="0"/>
+          <a:ext cx="0" cy="0"/>
+          <a:chOff x="0" y="0"/>
+          <a:chExt cx="0" cy="0"/>
+        </a:xfrm>
+      </p:grpSpPr>
+      <p:sp>
+        <p:nvSpPr>
+          <p:cNvPr id="2" name="Title 1"/>
+          <p:cNvSpPr>
+            <a:spLocks noGrp="1"/>
+          </p:cNvSpPr>
+          <p:nvPr>
+            <p:ph type="title"/>
+          </p:nvPr>
+        </p:nvSpPr>
+        <p:spPr/>
+        <p:txBody>
+          <a:bodyPr/>
+          <a:lstStyle/>
+          <a:p>
+            <a:r>
               <a:rPr lang="en-US" dirty="0" smtClean="0"/>
               <a:t>QUESTIONS?</a:t>
             </a:r>
@@ -4785,8 +5125,9 @@
           <a:p>
             <a:r>
               <a:rPr lang="en-US" dirty="0" smtClean="0"/>
-              <a:t>Introduction</a:t>
-            </a:r>
+              <a:t>Introduction/Problem Statement</a:t>
+            </a:r>
+            <a:endParaRPr lang="en-US" dirty="0" smtClean="0"/>
           </a:p>
           <a:p>
             <a:r>
@@ -5408,7 +5749,7 @@
           <a:lstStyle/>
           <a:p>
             <a:r>
-              <a:rPr lang="en-US" smtClean="0"/>
+              <a:rPr lang="en-US" dirty="0" smtClean="0"/>
               <a:t>User activity</a:t>
             </a:r>
             <a:endParaRPr lang="en-US" dirty="0"/>
@@ -5593,7 +5934,7 @@
           <p:nvPr/>
         </p:nvPicPr>
         <p:blipFill>
-          <a:blip r:embed="rId2"/>
+          <a:blip r:embed="rId3"/>
           <a:stretch>
             <a:fillRect/>
           </a:stretch>
